--- a/GitHub Introduction_SAME.pptx
+++ b/GitHub Introduction_SAME.pptx
@@ -108,6 +108,11 @@
       </a:defRPr>
     </a:lvl9pPr>
   </p:defaultTextStyle>
+  <p:extLst>
+    <p:ext uri="{EFAFB233-063F-42B5-8137-9DF3F51BA10A}">
+      <p15:sldGuideLst xmlns:p15="http://schemas.microsoft.com/office/powerpoint/2012/main"/>
+    </p:ext>
+  </p:extLst>
 </p:presentation>
 </file>
 
@@ -3381,7 +3386,7 @@
           <a:p>
             <a:r>
               <a:rPr lang="de-CH" dirty="0"/>
-              <a:t>Christian Wollmann, 10.09.2023</a:t>
+              <a:t>Christian Wollmann, 23.10.2023</a:t>
             </a:r>
           </a:p>
         </p:txBody>
@@ -5669,7 +5674,7 @@
                                         <p:tgtEl>
                                           <p:spTgt spid="8">
                                             <p:txEl>
-                                              <p:charRg st="77" end="104"/>
+                                              <p:pRg st="2" end="2"/>
                                             </p:txEl>
                                           </p:spTgt>
                                         </p:tgtEl>
